--- a/WEBSITE TIN TỨC.pptx
+++ b/WEBSITE TIN TỨC.pptx
@@ -1,14 +1,14 @@
 
 <file path=ppt/presentation.xml><?xml version="1.0" encoding="utf-8"?>
-<p:presentation xmlns:a="http://schemas.openxmlformats.org/drawingml/2006/main" xmlns:r="http://schemas.openxmlformats.org/officeDocument/2006/relationships" xmlns:p="http://schemas.openxmlformats.org/presentationml/2006/main" saveSubsetFonts="1">
+<p:presentation xmlns:a="http://schemas.openxmlformats.org/drawingml/2006/main" xmlns:r="http://schemas.openxmlformats.org/officeDocument/2006/relationships" xmlns:p="http://schemas.openxmlformats.org/presentationml/2006/main">
   <p:sldMasterIdLst>
     <p:sldMasterId id="2147483648" r:id="rId1"/>
   </p:sldMasterIdLst>
   <p:sldIdLst>
-    <p:sldId id="256" r:id="rId2"/>
-    <p:sldId id="258" r:id="rId3"/>
-    <p:sldId id="257" r:id="rId4"/>
-    <p:sldId id="259" r:id="rId5"/>
+    <p:sldId id="256" r:id="rId3"/>
+    <p:sldId id="258" r:id="rId4"/>
+    <p:sldId id="257" r:id="rId5"/>
+    <p:sldId id="259" r:id="rId6"/>
   </p:sldIdLst>
   <p:sldSz cx="12192000" cy="6858000"/>
   <p:notesSz cx="6858000" cy="9144000"/>
@@ -107,11 +107,6 @@
       </a:defRPr>
     </a:lvl9pPr>
   </p:defaultTextStyle>
-  <p:extLst>
-    <p:ext uri="{EFAFB233-063F-42B5-8137-9DF3F51BA10A}">
-      <p15:sldGuideLst xmlns:p15="http://schemas.microsoft.com/office/powerpoint/2012/main"/>
-    </p:ext>
-  </p:extLst>
 </p:presentation>
 </file>
 
@@ -246,7 +241,6 @@
           <a:p>
             <a:fld id="{3F6E3528-EAA1-4637-9BED-93EF22EB0664}" type="datetimeFigureOut">
               <a:rPr lang="en-US" smtClean="0"/>
-              <a:t>12/9/2022</a:t>
             </a:fld>
             <a:endParaRPr lang="en-US"/>
           </a:p>
@@ -288,18 +282,12 @@
           <a:p>
             <a:fld id="{42B768BC-75B1-441A-B59E-AC44BD4489D5}" type="slidenum">
               <a:rPr lang="en-US" smtClean="0"/>
-              <a:t>‹#›</a:t>
             </a:fld>
             <a:endParaRPr lang="en-US"/>
           </a:p>
         </p:txBody>
       </p:sp>
     </p:spTree>
-    <p:extLst>
-      <p:ext uri="{BB962C8B-B14F-4D97-AF65-F5344CB8AC3E}">
-        <p14:creationId xmlns:p14="http://schemas.microsoft.com/office/powerpoint/2010/main" val="1295929070"/>
-      </p:ext>
-    </p:extLst>
   </p:cSld>
   <p:clrMapOvr>
     <a:masterClrMapping/>
@@ -367,6 +355,7 @@
               <a:rPr lang="en-US" smtClean="0"/>
               <a:t>Edit Master text styles</a:t>
             </a:r>
+            <a:endParaRPr lang="en-US" smtClean="0"/>
           </a:p>
           <a:p>
             <a:pPr lvl="1"/>
@@ -374,6 +363,7 @@
               <a:rPr lang="en-US" smtClean="0"/>
               <a:t>Second level</a:t>
             </a:r>
+            <a:endParaRPr lang="en-US" smtClean="0"/>
           </a:p>
           <a:p>
             <a:pPr lvl="2"/>
@@ -381,6 +371,7 @@
               <a:rPr lang="en-US" smtClean="0"/>
               <a:t>Third level</a:t>
             </a:r>
+            <a:endParaRPr lang="en-US" smtClean="0"/>
           </a:p>
           <a:p>
             <a:pPr lvl="3"/>
@@ -388,6 +379,7 @@
               <a:rPr lang="en-US" smtClean="0"/>
               <a:t>Fourth level</a:t>
             </a:r>
+            <a:endParaRPr lang="en-US" smtClean="0"/>
           </a:p>
           <a:p>
             <a:pPr lvl="4"/>
@@ -416,7 +408,6 @@
           <a:p>
             <a:fld id="{3F6E3528-EAA1-4637-9BED-93EF22EB0664}" type="datetimeFigureOut">
               <a:rPr lang="en-US" smtClean="0"/>
-              <a:t>12/9/2022</a:t>
             </a:fld>
             <a:endParaRPr lang="en-US"/>
           </a:p>
@@ -458,18 +449,12 @@
           <a:p>
             <a:fld id="{42B768BC-75B1-441A-B59E-AC44BD4489D5}" type="slidenum">
               <a:rPr lang="en-US" smtClean="0"/>
-              <a:t>‹#›</a:t>
             </a:fld>
             <a:endParaRPr lang="en-US"/>
           </a:p>
         </p:txBody>
       </p:sp>
     </p:spTree>
-    <p:extLst>
-      <p:ext uri="{BB962C8B-B14F-4D97-AF65-F5344CB8AC3E}">
-        <p14:creationId xmlns:p14="http://schemas.microsoft.com/office/powerpoint/2010/main" val="3765070240"/>
-      </p:ext>
-    </p:extLst>
   </p:cSld>
   <p:clrMapOvr>
     <a:masterClrMapping/>
@@ -547,6 +532,7 @@
               <a:rPr lang="en-US" smtClean="0"/>
               <a:t>Edit Master text styles</a:t>
             </a:r>
+            <a:endParaRPr lang="en-US" smtClean="0"/>
           </a:p>
           <a:p>
             <a:pPr lvl="1"/>
@@ -554,6 +540,7 @@
               <a:rPr lang="en-US" smtClean="0"/>
               <a:t>Second level</a:t>
             </a:r>
+            <a:endParaRPr lang="en-US" smtClean="0"/>
           </a:p>
           <a:p>
             <a:pPr lvl="2"/>
@@ -561,6 +548,7 @@
               <a:rPr lang="en-US" smtClean="0"/>
               <a:t>Third level</a:t>
             </a:r>
+            <a:endParaRPr lang="en-US" smtClean="0"/>
           </a:p>
           <a:p>
             <a:pPr lvl="3"/>
@@ -568,6 +556,7 @@
               <a:rPr lang="en-US" smtClean="0"/>
               <a:t>Fourth level</a:t>
             </a:r>
+            <a:endParaRPr lang="en-US" smtClean="0"/>
           </a:p>
           <a:p>
             <a:pPr lvl="4"/>
@@ -596,7 +585,6 @@
           <a:p>
             <a:fld id="{3F6E3528-EAA1-4637-9BED-93EF22EB0664}" type="datetimeFigureOut">
               <a:rPr lang="en-US" smtClean="0"/>
-              <a:t>12/9/2022</a:t>
             </a:fld>
             <a:endParaRPr lang="en-US"/>
           </a:p>
@@ -638,18 +626,12 @@
           <a:p>
             <a:fld id="{42B768BC-75B1-441A-B59E-AC44BD4489D5}" type="slidenum">
               <a:rPr lang="en-US" smtClean="0"/>
-              <a:t>‹#›</a:t>
             </a:fld>
             <a:endParaRPr lang="en-US"/>
           </a:p>
         </p:txBody>
       </p:sp>
     </p:spTree>
-    <p:extLst>
-      <p:ext uri="{BB962C8B-B14F-4D97-AF65-F5344CB8AC3E}">
-        <p14:creationId xmlns:p14="http://schemas.microsoft.com/office/powerpoint/2010/main" val="855948213"/>
-      </p:ext>
-    </p:extLst>
   </p:cSld>
   <p:clrMapOvr>
     <a:masterClrMapping/>
@@ -717,6 +699,7 @@
               <a:rPr lang="en-US" smtClean="0"/>
               <a:t>Edit Master text styles</a:t>
             </a:r>
+            <a:endParaRPr lang="en-US" smtClean="0"/>
           </a:p>
           <a:p>
             <a:pPr lvl="1"/>
@@ -724,6 +707,7 @@
               <a:rPr lang="en-US" smtClean="0"/>
               <a:t>Second level</a:t>
             </a:r>
+            <a:endParaRPr lang="en-US" smtClean="0"/>
           </a:p>
           <a:p>
             <a:pPr lvl="2"/>
@@ -731,6 +715,7 @@
               <a:rPr lang="en-US" smtClean="0"/>
               <a:t>Third level</a:t>
             </a:r>
+            <a:endParaRPr lang="en-US" smtClean="0"/>
           </a:p>
           <a:p>
             <a:pPr lvl="3"/>
@@ -738,6 +723,7 @@
               <a:rPr lang="en-US" smtClean="0"/>
               <a:t>Fourth level</a:t>
             </a:r>
+            <a:endParaRPr lang="en-US" smtClean="0"/>
           </a:p>
           <a:p>
             <a:pPr lvl="4"/>
@@ -766,7 +752,6 @@
           <a:p>
             <a:fld id="{3F6E3528-EAA1-4637-9BED-93EF22EB0664}" type="datetimeFigureOut">
               <a:rPr lang="en-US" smtClean="0"/>
-              <a:t>12/9/2022</a:t>
             </a:fld>
             <a:endParaRPr lang="en-US"/>
           </a:p>
@@ -808,18 +793,12 @@
           <a:p>
             <a:fld id="{42B768BC-75B1-441A-B59E-AC44BD4489D5}" type="slidenum">
               <a:rPr lang="en-US" smtClean="0"/>
-              <a:t>‹#›</a:t>
             </a:fld>
             <a:endParaRPr lang="en-US"/>
           </a:p>
         </p:txBody>
       </p:sp>
     </p:spTree>
-    <p:extLst>
-      <p:ext uri="{BB962C8B-B14F-4D97-AF65-F5344CB8AC3E}">
-        <p14:creationId xmlns:p14="http://schemas.microsoft.com/office/powerpoint/2010/main" val="777406069"/>
-      </p:ext>
-    </p:extLst>
   </p:cSld>
   <p:clrMapOvr>
     <a:masterClrMapping/>
@@ -992,6 +971,7 @@
               <a:rPr lang="en-US" smtClean="0"/>
               <a:t>Edit Master text styles</a:t>
             </a:r>
+            <a:endParaRPr lang="en-US" smtClean="0"/>
           </a:p>
         </p:txBody>
       </p:sp>
@@ -1012,7 +992,6 @@
           <a:p>
             <a:fld id="{3F6E3528-EAA1-4637-9BED-93EF22EB0664}" type="datetimeFigureOut">
               <a:rPr lang="en-US" smtClean="0"/>
-              <a:t>12/9/2022</a:t>
             </a:fld>
             <a:endParaRPr lang="en-US"/>
           </a:p>
@@ -1054,18 +1033,12 @@
           <a:p>
             <a:fld id="{42B768BC-75B1-441A-B59E-AC44BD4489D5}" type="slidenum">
               <a:rPr lang="en-US" smtClean="0"/>
-              <a:t>‹#›</a:t>
             </a:fld>
             <a:endParaRPr lang="en-US"/>
           </a:p>
         </p:txBody>
       </p:sp>
     </p:spTree>
-    <p:extLst>
-      <p:ext uri="{BB962C8B-B14F-4D97-AF65-F5344CB8AC3E}">
-        <p14:creationId xmlns:p14="http://schemas.microsoft.com/office/powerpoint/2010/main" val="538921510"/>
-      </p:ext>
-    </p:extLst>
   </p:cSld>
   <p:clrMapOvr>
     <a:masterClrMapping/>
@@ -1138,6 +1111,7 @@
               <a:rPr lang="en-US" smtClean="0"/>
               <a:t>Edit Master text styles</a:t>
             </a:r>
+            <a:endParaRPr lang="en-US" smtClean="0"/>
           </a:p>
           <a:p>
             <a:pPr lvl="1"/>
@@ -1145,6 +1119,7 @@
               <a:rPr lang="en-US" smtClean="0"/>
               <a:t>Second level</a:t>
             </a:r>
+            <a:endParaRPr lang="en-US" smtClean="0"/>
           </a:p>
           <a:p>
             <a:pPr lvl="2"/>
@@ -1152,6 +1127,7 @@
               <a:rPr lang="en-US" smtClean="0"/>
               <a:t>Third level</a:t>
             </a:r>
+            <a:endParaRPr lang="en-US" smtClean="0"/>
           </a:p>
           <a:p>
             <a:pPr lvl="3"/>
@@ -1159,6 +1135,7 @@
               <a:rPr lang="en-US" smtClean="0"/>
               <a:t>Fourth level</a:t>
             </a:r>
+            <a:endParaRPr lang="en-US" smtClean="0"/>
           </a:p>
           <a:p>
             <a:pPr lvl="4"/>
@@ -1195,6 +1172,7 @@
               <a:rPr lang="en-US" smtClean="0"/>
               <a:t>Edit Master text styles</a:t>
             </a:r>
+            <a:endParaRPr lang="en-US" smtClean="0"/>
           </a:p>
           <a:p>
             <a:pPr lvl="1"/>
@@ -1202,6 +1180,7 @@
               <a:rPr lang="en-US" smtClean="0"/>
               <a:t>Second level</a:t>
             </a:r>
+            <a:endParaRPr lang="en-US" smtClean="0"/>
           </a:p>
           <a:p>
             <a:pPr lvl="2"/>
@@ -1209,6 +1188,7 @@
               <a:rPr lang="en-US" smtClean="0"/>
               <a:t>Third level</a:t>
             </a:r>
+            <a:endParaRPr lang="en-US" smtClean="0"/>
           </a:p>
           <a:p>
             <a:pPr lvl="3"/>
@@ -1216,6 +1196,7 @@
               <a:rPr lang="en-US" smtClean="0"/>
               <a:t>Fourth level</a:t>
             </a:r>
+            <a:endParaRPr lang="en-US" smtClean="0"/>
           </a:p>
           <a:p>
             <a:pPr lvl="4"/>
@@ -1244,7 +1225,6 @@
           <a:p>
             <a:fld id="{3F6E3528-EAA1-4637-9BED-93EF22EB0664}" type="datetimeFigureOut">
               <a:rPr lang="en-US" smtClean="0"/>
-              <a:t>12/9/2022</a:t>
             </a:fld>
             <a:endParaRPr lang="en-US"/>
           </a:p>
@@ -1286,18 +1266,12 @@
           <a:p>
             <a:fld id="{42B768BC-75B1-441A-B59E-AC44BD4489D5}" type="slidenum">
               <a:rPr lang="en-US" smtClean="0"/>
-              <a:t>‹#›</a:t>
             </a:fld>
             <a:endParaRPr lang="en-US"/>
           </a:p>
         </p:txBody>
       </p:sp>
     </p:spTree>
-    <p:extLst>
-      <p:ext uri="{BB962C8B-B14F-4D97-AF65-F5344CB8AC3E}">
-        <p14:creationId xmlns:p14="http://schemas.microsoft.com/office/powerpoint/2010/main" val="1902125865"/>
-      </p:ext>
-    </p:extLst>
   </p:cSld>
   <p:clrMapOvr>
     <a:masterClrMapping/>
@@ -1412,6 +1386,7 @@
               <a:rPr lang="en-US" smtClean="0"/>
               <a:t>Edit Master text styles</a:t>
             </a:r>
+            <a:endParaRPr lang="en-US" smtClean="0"/>
           </a:p>
         </p:txBody>
       </p:sp>
@@ -1440,6 +1415,7 @@
               <a:rPr lang="en-US" smtClean="0"/>
               <a:t>Edit Master text styles</a:t>
             </a:r>
+            <a:endParaRPr lang="en-US" smtClean="0"/>
           </a:p>
           <a:p>
             <a:pPr lvl="1"/>
@@ -1447,6 +1423,7 @@
               <a:rPr lang="en-US" smtClean="0"/>
               <a:t>Second level</a:t>
             </a:r>
+            <a:endParaRPr lang="en-US" smtClean="0"/>
           </a:p>
           <a:p>
             <a:pPr lvl="2"/>
@@ -1454,6 +1431,7 @@
               <a:rPr lang="en-US" smtClean="0"/>
               <a:t>Third level</a:t>
             </a:r>
+            <a:endParaRPr lang="en-US" smtClean="0"/>
           </a:p>
           <a:p>
             <a:pPr lvl="3"/>
@@ -1461,6 +1439,7 @@
               <a:rPr lang="en-US" smtClean="0"/>
               <a:t>Fourth level</a:t>
             </a:r>
+            <a:endParaRPr lang="en-US" smtClean="0"/>
           </a:p>
           <a:p>
             <a:pPr lvl="4"/>
@@ -1534,6 +1513,7 @@
               <a:rPr lang="en-US" smtClean="0"/>
               <a:t>Edit Master text styles</a:t>
             </a:r>
+            <a:endParaRPr lang="en-US" smtClean="0"/>
           </a:p>
         </p:txBody>
       </p:sp>
@@ -1562,6 +1542,7 @@
               <a:rPr lang="en-US" smtClean="0"/>
               <a:t>Edit Master text styles</a:t>
             </a:r>
+            <a:endParaRPr lang="en-US" smtClean="0"/>
           </a:p>
           <a:p>
             <a:pPr lvl="1"/>
@@ -1569,6 +1550,7 @@
               <a:rPr lang="en-US" smtClean="0"/>
               <a:t>Second level</a:t>
             </a:r>
+            <a:endParaRPr lang="en-US" smtClean="0"/>
           </a:p>
           <a:p>
             <a:pPr lvl="2"/>
@@ -1576,6 +1558,7 @@
               <a:rPr lang="en-US" smtClean="0"/>
               <a:t>Third level</a:t>
             </a:r>
+            <a:endParaRPr lang="en-US" smtClean="0"/>
           </a:p>
           <a:p>
             <a:pPr lvl="3"/>
@@ -1583,6 +1566,7 @@
               <a:rPr lang="en-US" smtClean="0"/>
               <a:t>Fourth level</a:t>
             </a:r>
+            <a:endParaRPr lang="en-US" smtClean="0"/>
           </a:p>
           <a:p>
             <a:pPr lvl="4"/>
@@ -1611,7 +1595,6 @@
           <a:p>
             <a:fld id="{3F6E3528-EAA1-4637-9BED-93EF22EB0664}" type="datetimeFigureOut">
               <a:rPr lang="en-US" smtClean="0"/>
-              <a:t>12/9/2022</a:t>
             </a:fld>
             <a:endParaRPr lang="en-US"/>
           </a:p>
@@ -1653,18 +1636,12 @@
           <a:p>
             <a:fld id="{42B768BC-75B1-441A-B59E-AC44BD4489D5}" type="slidenum">
               <a:rPr lang="en-US" smtClean="0"/>
-              <a:t>‹#›</a:t>
             </a:fld>
             <a:endParaRPr lang="en-US"/>
           </a:p>
         </p:txBody>
       </p:sp>
     </p:spTree>
-    <p:extLst>
-      <p:ext uri="{BB962C8B-B14F-4D97-AF65-F5344CB8AC3E}">
-        <p14:creationId xmlns:p14="http://schemas.microsoft.com/office/powerpoint/2010/main" val="281472429"/>
-      </p:ext>
-    </p:extLst>
   </p:cSld>
   <p:clrMapOvr>
     <a:masterClrMapping/>
@@ -1729,7 +1706,6 @@
           <a:p>
             <a:fld id="{3F6E3528-EAA1-4637-9BED-93EF22EB0664}" type="datetimeFigureOut">
               <a:rPr lang="en-US" smtClean="0"/>
-              <a:t>12/9/2022</a:t>
             </a:fld>
             <a:endParaRPr lang="en-US"/>
           </a:p>
@@ -1771,18 +1747,12 @@
           <a:p>
             <a:fld id="{42B768BC-75B1-441A-B59E-AC44BD4489D5}" type="slidenum">
               <a:rPr lang="en-US" smtClean="0"/>
-              <a:t>‹#›</a:t>
             </a:fld>
             <a:endParaRPr lang="en-US"/>
           </a:p>
         </p:txBody>
       </p:sp>
     </p:spTree>
-    <p:extLst>
-      <p:ext uri="{BB962C8B-B14F-4D97-AF65-F5344CB8AC3E}">
-        <p14:creationId xmlns:p14="http://schemas.microsoft.com/office/powerpoint/2010/main" val="771356530"/>
-      </p:ext>
-    </p:extLst>
   </p:cSld>
   <p:clrMapOvr>
     <a:masterClrMapping/>
@@ -1824,7 +1794,6 @@
           <a:p>
             <a:fld id="{3F6E3528-EAA1-4637-9BED-93EF22EB0664}" type="datetimeFigureOut">
               <a:rPr lang="en-US" smtClean="0"/>
-              <a:t>12/9/2022</a:t>
             </a:fld>
             <a:endParaRPr lang="en-US"/>
           </a:p>
@@ -1866,18 +1835,12 @@
           <a:p>
             <a:fld id="{42B768BC-75B1-441A-B59E-AC44BD4489D5}" type="slidenum">
               <a:rPr lang="en-US" smtClean="0"/>
-              <a:t>‹#›</a:t>
             </a:fld>
             <a:endParaRPr lang="en-US"/>
           </a:p>
         </p:txBody>
       </p:sp>
     </p:spTree>
-    <p:extLst>
-      <p:ext uri="{BB962C8B-B14F-4D97-AF65-F5344CB8AC3E}">
-        <p14:creationId xmlns:p14="http://schemas.microsoft.com/office/powerpoint/2010/main" val="3656100978"/>
-      </p:ext>
-    </p:extLst>
   </p:cSld>
   <p:clrMapOvr>
     <a:masterClrMapping/>
@@ -1987,6 +1950,7 @@
               <a:rPr lang="en-US" smtClean="0"/>
               <a:t>Edit Master text styles</a:t>
             </a:r>
+            <a:endParaRPr lang="en-US" smtClean="0"/>
           </a:p>
           <a:p>
             <a:pPr lvl="1"/>
@@ -1994,6 +1958,7 @@
               <a:rPr lang="en-US" smtClean="0"/>
               <a:t>Second level</a:t>
             </a:r>
+            <a:endParaRPr lang="en-US" smtClean="0"/>
           </a:p>
           <a:p>
             <a:pPr lvl="2"/>
@@ -2001,6 +1966,7 @@
               <a:rPr lang="en-US" smtClean="0"/>
               <a:t>Third level</a:t>
             </a:r>
+            <a:endParaRPr lang="en-US" smtClean="0"/>
           </a:p>
           <a:p>
             <a:pPr lvl="3"/>
@@ -2008,6 +1974,7 @@
               <a:rPr lang="en-US" smtClean="0"/>
               <a:t>Fourth level</a:t>
             </a:r>
+            <a:endParaRPr lang="en-US" smtClean="0"/>
           </a:p>
           <a:p>
             <a:pPr lvl="4"/>
@@ -2081,6 +2048,7 @@
               <a:rPr lang="en-US" smtClean="0"/>
               <a:t>Edit Master text styles</a:t>
             </a:r>
+            <a:endParaRPr lang="en-US" smtClean="0"/>
           </a:p>
         </p:txBody>
       </p:sp>
@@ -2101,7 +2069,6 @@
           <a:p>
             <a:fld id="{3F6E3528-EAA1-4637-9BED-93EF22EB0664}" type="datetimeFigureOut">
               <a:rPr lang="en-US" smtClean="0"/>
-              <a:t>12/9/2022</a:t>
             </a:fld>
             <a:endParaRPr lang="en-US"/>
           </a:p>
@@ -2143,18 +2110,12 @@
           <a:p>
             <a:fld id="{42B768BC-75B1-441A-B59E-AC44BD4489D5}" type="slidenum">
               <a:rPr lang="en-US" smtClean="0"/>
-              <a:t>‹#›</a:t>
             </a:fld>
             <a:endParaRPr lang="en-US"/>
           </a:p>
         </p:txBody>
       </p:sp>
     </p:spTree>
-    <p:extLst>
-      <p:ext uri="{BB962C8B-B14F-4D97-AF65-F5344CB8AC3E}">
-        <p14:creationId xmlns:p14="http://schemas.microsoft.com/office/powerpoint/2010/main" val="2390687698"/>
-      </p:ext>
-    </p:extLst>
   </p:cSld>
   <p:clrMapOvr>
     <a:masterClrMapping/>
@@ -2334,6 +2295,7 @@
               <a:rPr lang="en-US" smtClean="0"/>
               <a:t>Edit Master text styles</a:t>
             </a:r>
+            <a:endParaRPr lang="en-US" smtClean="0"/>
           </a:p>
         </p:txBody>
       </p:sp>
@@ -2354,7 +2316,6 @@
           <a:p>
             <a:fld id="{3F6E3528-EAA1-4637-9BED-93EF22EB0664}" type="datetimeFigureOut">
               <a:rPr lang="en-US" smtClean="0"/>
-              <a:t>12/9/2022</a:t>
             </a:fld>
             <a:endParaRPr lang="en-US"/>
           </a:p>
@@ -2396,18 +2357,12 @@
           <a:p>
             <a:fld id="{42B768BC-75B1-441A-B59E-AC44BD4489D5}" type="slidenum">
               <a:rPr lang="en-US" smtClean="0"/>
-              <a:t>‹#›</a:t>
             </a:fld>
             <a:endParaRPr lang="en-US"/>
           </a:p>
         </p:txBody>
       </p:sp>
     </p:spTree>
-    <p:extLst>
-      <p:ext uri="{BB962C8B-B14F-4D97-AF65-F5344CB8AC3E}">
-        <p14:creationId xmlns:p14="http://schemas.microsoft.com/office/powerpoint/2010/main" val="4108099992"/>
-      </p:ext>
-    </p:extLst>
   </p:cSld>
   <p:clrMapOvr>
     <a:masterClrMapping/>
@@ -2500,6 +2455,7 @@
               <a:rPr lang="en-US" smtClean="0"/>
               <a:t>Edit Master text styles</a:t>
             </a:r>
+            <a:endParaRPr lang="en-US" smtClean="0"/>
           </a:p>
           <a:p>
             <a:pPr lvl="1"/>
@@ -2507,6 +2463,7 @@
               <a:rPr lang="en-US" smtClean="0"/>
               <a:t>Second level</a:t>
             </a:r>
+            <a:endParaRPr lang="en-US" smtClean="0"/>
           </a:p>
           <a:p>
             <a:pPr lvl="2"/>
@@ -2514,6 +2471,7 @@
               <a:rPr lang="en-US" smtClean="0"/>
               <a:t>Third level</a:t>
             </a:r>
+            <a:endParaRPr lang="en-US" smtClean="0"/>
           </a:p>
           <a:p>
             <a:pPr lvl="3"/>
@@ -2521,6 +2479,7 @@
               <a:rPr lang="en-US" smtClean="0"/>
               <a:t>Fourth level</a:t>
             </a:r>
+            <a:endParaRPr lang="en-US" smtClean="0"/>
           </a:p>
           <a:p>
             <a:pPr lvl="4"/>
@@ -2567,7 +2526,6 @@
           <a:p>
             <a:fld id="{3F6E3528-EAA1-4637-9BED-93EF22EB0664}" type="datetimeFigureOut">
               <a:rPr lang="en-US" smtClean="0"/>
-              <a:t>12/9/2022</a:t>
             </a:fld>
             <a:endParaRPr lang="en-US"/>
           </a:p>
@@ -2645,18 +2603,12 @@
           <a:p>
             <a:fld id="{42B768BC-75B1-441A-B59E-AC44BD4489D5}" type="slidenum">
               <a:rPr lang="en-US" smtClean="0"/>
-              <a:t>‹#›</a:t>
             </a:fld>
             <a:endParaRPr lang="en-US"/>
           </a:p>
         </p:txBody>
       </p:sp>
     </p:spTree>
-    <p:extLst>
-      <p:ext uri="{BB962C8B-B14F-4D97-AF65-F5344CB8AC3E}">
-        <p14:creationId xmlns:p14="http://schemas.microsoft.com/office/powerpoint/2010/main" val="1724751152"/>
-      </p:ext>
-    </p:extLst>
   </p:cSld>
   <p:clrMap bg1="lt1" tx1="dk1" bg2="lt2" tx2="dk2" accent1="accent1" accent2="accent2" accent3="accent3" accent4="accent4" accent5="accent5" accent6="accent6" hlink="hlink" folHlink="folHlink"/>
   <p:sldLayoutIdLst>
@@ -3071,6 +3023,7 @@
               <a:rPr lang="en-US" dirty="0" smtClean="0"/>
               <a:t>:</a:t>
             </a:r>
+            <a:endParaRPr lang="en-US" dirty="0" smtClean="0"/>
           </a:p>
           <a:p>
             <a:pPr algn="r"/>
@@ -3080,24 +3033,9 @@
             </a:r>
             <a:r>
               <a:rPr lang="en-US" dirty="0" smtClean="0"/>
-              <a:t> </a:t>
-            </a:r>
-            <a:r>
-              <a:rPr lang="en-US" dirty="0" err="1" smtClean="0"/>
-              <a:t>Văn</a:t>
-            </a:r>
-            <a:r>
-              <a:rPr lang="en-US" dirty="0" smtClean="0"/>
-              <a:t> </a:t>
-            </a:r>
-            <a:r>
-              <a:rPr lang="en-US" dirty="0" err="1" smtClean="0"/>
-              <a:t>Lênh</a:t>
-            </a:r>
-            <a:r>
-              <a:rPr lang="en-US" dirty="0" smtClean="0"/>
-              <a:t> , 20130303</a:t>
-            </a:r>
+              <a:t> Thanh Liêm, 20130304</a:t>
+            </a:r>
+            <a:endParaRPr lang="en-US" dirty="0" smtClean="0"/>
           </a:p>
           <a:p>
             <a:pPr algn="r"/>
@@ -3107,42 +3045,13 @@
             </a:r>
             <a:r>
               <a:rPr lang="en-US" dirty="0" smtClean="0"/>
-              <a:t>   </a:t>
-            </a:r>
-            <a:r>
-              <a:rPr lang="en-US" dirty="0" err="1" smtClean="0"/>
-              <a:t>Nguyễn</a:t>
-            </a:r>
-            <a:r>
-              <a:rPr lang="en-US" dirty="0" smtClean="0"/>
-              <a:t> </a:t>
-            </a:r>
-            <a:r>
-              <a:rPr lang="en-US" dirty="0" err="1" smtClean="0"/>
-              <a:t>Tấn</a:t>
-            </a:r>
-            <a:r>
-              <a:rPr lang="en-US" dirty="0" smtClean="0"/>
-              <a:t> </a:t>
-            </a:r>
-            <a:r>
-              <a:rPr lang="en-US" dirty="0" err="1" smtClean="0"/>
-              <a:t>Kiệt</a:t>
-            </a:r>
-            <a:r>
-              <a:rPr lang="en-US" dirty="0" smtClean="0"/>
-              <a:t>,    20130299       </a:t>
+              <a:t>   Trần Quốc Tuấn,    20130299       </a:t>
             </a:r>
             <a:endParaRPr lang="en-US" dirty="0"/>
           </a:p>
         </p:txBody>
       </p:sp>
     </p:spTree>
-    <p:extLst>
-      <p:ext uri="{BB962C8B-B14F-4D97-AF65-F5344CB8AC3E}">
-        <p14:creationId xmlns:p14="http://schemas.microsoft.com/office/powerpoint/2010/main" val="3687871014"/>
-      </p:ext>
-    </p:extLst>
   </p:cSld>
   <p:clrMapOvr>
     <a:masterClrMapping/>
@@ -3388,6 +3297,7 @@
               <a:rPr lang="en-US" dirty="0" smtClean="0"/>
               <a:t> web</a:t>
             </a:r>
+            <a:endParaRPr lang="en-US" dirty="0" smtClean="0"/>
           </a:p>
           <a:p>
             <a:r>
@@ -3450,6 +3360,7 @@
               <a:rPr lang="en-US" dirty="0" smtClean="0"/>
               <a:t>)</a:t>
             </a:r>
+            <a:endParaRPr lang="en-US" dirty="0" smtClean="0"/>
           </a:p>
           <a:p>
             <a:r>
@@ -3488,6 +3399,7 @@
               <a:rPr lang="en-US" dirty="0" smtClean="0"/>
               <a:t> MySQL</a:t>
             </a:r>
+            <a:endParaRPr lang="en-US" dirty="0" smtClean="0"/>
           </a:p>
           <a:p>
             <a:r>
@@ -3550,18 +3462,14 @@
               <a:rPr lang="en-US" dirty="0" smtClean="0"/>
               <a:t>JSP</a:t>
             </a:r>
-          </a:p>
-          <a:p>
             <a:endParaRPr lang="en-US" dirty="0" smtClean="0"/>
           </a:p>
+          <a:p>
+            <a:endParaRPr lang="en-US" dirty="0" smtClean="0"/>
+          </a:p>
         </p:txBody>
       </p:sp>
     </p:spTree>
-    <p:extLst>
-      <p:ext uri="{BB962C8B-B14F-4D97-AF65-F5344CB8AC3E}">
-        <p14:creationId xmlns:p14="http://schemas.microsoft.com/office/powerpoint/2010/main" val="629524210"/>
-      </p:ext>
-    </p:extLst>
   </p:cSld>
   <p:clrMapOvr>
     <a:masterClrMapping/>
@@ -3716,6 +3624,7 @@
               <a:rPr lang="en-US" dirty="0" smtClean="0"/>
               <a:t>:</a:t>
             </a:r>
+            <a:endParaRPr lang="en-US" dirty="0" smtClean="0"/>
           </a:p>
           <a:p>
             <a:pPr marL="457200" lvl="1" indent="0">
@@ -3913,6 +3822,7 @@
               <a:rPr lang="en-US" dirty="0" smtClean="0"/>
               <a:t> Admin , Author ,User.</a:t>
             </a:r>
+            <a:endParaRPr lang="en-US" dirty="0" smtClean="0"/>
           </a:p>
           <a:p>
             <a:pPr marL="457200" lvl="1" indent="0">
@@ -4021,11 +3931,6 @@
         </p:txBody>
       </p:sp>
     </p:spTree>
-    <p:extLst>
-      <p:ext uri="{BB962C8B-B14F-4D97-AF65-F5344CB8AC3E}">
-        <p14:creationId xmlns:p14="http://schemas.microsoft.com/office/powerpoint/2010/main" val="3510924333"/>
-      </p:ext>
-    </p:extLst>
   </p:cSld>
   <p:clrMapOvr>
     <a:masterClrMapping/>
@@ -4176,6 +4081,7 @@
               <a:rPr lang="en-US" dirty="0"/>
               <a:t>:</a:t>
             </a:r>
+            <a:endParaRPr lang="en-US" dirty="0"/>
           </a:p>
           <a:p>
             <a:pPr marL="457200" lvl="1" indent="0">
@@ -4300,11 +4206,6 @@
         </p:txBody>
       </p:sp>
     </p:spTree>
-    <p:extLst>
-      <p:ext uri="{BB962C8B-B14F-4D97-AF65-F5344CB8AC3E}">
-        <p14:creationId xmlns:p14="http://schemas.microsoft.com/office/powerpoint/2010/main" val="3577283241"/>
-      </p:ext>
-    </p:extLst>
   </p:cSld>
   <p:clrMapOvr>
     <a:masterClrMapping/>
@@ -4355,7 +4256,7 @@
     </a:clrScheme>
     <a:fontScheme name="Office">
       <a:majorFont>
-        <a:latin typeface="Calibri Light" panose="020F0302020204030204"/>
+        <a:latin typeface="Calibri Light"/>
         <a:ea typeface=""/>
         <a:cs typeface=""/>
         <a:font script="Jpan" typeface="游ゴシック Light"/>
@@ -4390,7 +4291,7 @@
         <a:font script="Geor" typeface="Sylfaen"/>
       </a:majorFont>
       <a:minorFont>
-        <a:latin typeface="Calibri" panose="020F0502020204030204"/>
+        <a:latin typeface="Calibri"/>
         <a:ea typeface=""/>
         <a:cs typeface=""/>
         <a:font script="Jpan" typeface="游ゴシック"/>
@@ -4563,8 +4464,6 @@
       </a:bgFillStyleLst>
     </a:fmtScheme>
   </a:themeElements>
-  <a:objectDefaults/>
-  <a:extraClrSchemeLst/>
   <a:extLst>
     <a:ext uri="{05A4C25C-085E-4340-85A3-A5531E510DB2}">
       <thm15:themeFamily xmlns:thm15="http://schemas.microsoft.com/office/thememl/2012/main" name="Office Theme" id="{62F939B6-93AF-4DB8-9C6B-D6C7DFDC589F}" vid="{4A3C46E8-61CC-4603-A589-7422A47A8E4A}"/>
